--- a/otel teoria/Day 1 session 1.1 Przeglad Obserwowalnosci.pptx
+++ b/otel teoria/Day 1 session 1.1 Przeglad Obserwowalnosci.pptx
@@ -5,7 +5,7 @@
     <p:sldMasterId id="2147483648" r:id="rId1"/>
   </p:sldMasterIdLst>
   <p:notesMasterIdLst>
-    <p:notesMasterId r:id="rId8"/>
+    <p:notesMasterId r:id="rId9"/>
   </p:notesMasterIdLst>
   <p:sldIdLst>
     <p:sldId id="256" r:id="rId2"/>
@@ -13,7 +13,8 @@
     <p:sldId id="272" r:id="rId4"/>
     <p:sldId id="285" r:id="rId5"/>
     <p:sldId id="343" r:id="rId6"/>
-    <p:sldId id="344" r:id="rId7"/>
+    <p:sldId id="345" r:id="rId7"/>
+    <p:sldId id="344" r:id="rId8"/>
   </p:sldIdLst>
   <p:sldSz cx="9144000" cy="6858000" type="screen4x3"/>
   <p:notesSz cx="6858000" cy="9144000"/>
@@ -4530,6 +4531,364 @@
 </file>
 
 <file path=ppt/slides/slide6.xml><?xml version="1.0" encoding="utf-8"?>
+<p:sld xmlns:a="http://schemas.openxmlformats.org/drawingml/2006/main" xmlns:r="http://schemas.openxmlformats.org/officeDocument/2006/relationships" xmlns:p="http://schemas.openxmlformats.org/presentationml/2006/main">
+  <p:cSld>
+    <p:spTree>
+      <p:nvGrpSpPr>
+        <p:cNvPr id="1" name="">
+          <a:extLst>
+            <a:ext uri="{FF2B5EF4-FFF2-40B4-BE49-F238E27FC236}">
+              <a16:creationId xmlns:a16="http://schemas.microsoft.com/office/drawing/2014/main" id="{C841275B-2AB2-B635-F7C5-23E7CBD92875}"/>
+            </a:ext>
+          </a:extLst>
+        </p:cNvPr>
+        <p:cNvGrpSpPr/>
+        <p:nvPr/>
+      </p:nvGrpSpPr>
+      <p:grpSpPr>
+        <a:xfrm>
+          <a:off x="0" y="0"/>
+          <a:ext cx="0" cy="0"/>
+          <a:chOff x="0" y="0"/>
+          <a:chExt cx="0" cy="0"/>
+        </a:xfrm>
+      </p:grpSpPr>
+      <p:sp>
+        <p:nvSpPr>
+          <p:cNvPr id="3" name="Content Placeholder 2">
+            <a:extLst>
+              <a:ext uri="{FF2B5EF4-FFF2-40B4-BE49-F238E27FC236}">
+                <a16:creationId xmlns:a16="http://schemas.microsoft.com/office/drawing/2014/main" id="{633E2C31-016A-CBC6-F3D1-342BBD1CF77F}"/>
+              </a:ext>
+            </a:extLst>
+          </p:cNvPr>
+          <p:cNvSpPr>
+            <a:spLocks noGrp="1"/>
+          </p:cNvSpPr>
+          <p:nvPr>
+            <p:ph idx="1"/>
+          </p:nvPr>
+        </p:nvSpPr>
+        <p:spPr/>
+        <p:txBody>
+          <a:bodyPr>
+            <a:normAutofit/>
+          </a:bodyPr>
+          <a:lstStyle/>
+          <a:p>
+            <a:pPr indent="-285750"/>
+            <a:r>
+              <a:rPr lang="pl-PL" sz="1600" dirty="0"/>
+              <a:t>Przegląd Obserwowalności </a:t>
+            </a:r>
+          </a:p>
+          <a:p>
+            <a:pPr lvl="1"/>
+            <a:r>
+              <a:rPr lang="pl-PL" sz="1200" dirty="0"/>
+              <a:t>Metryki</a:t>
+            </a:r>
+            <a:br>
+              <a:rPr lang="pl-PL" sz="1200" dirty="0"/>
+            </a:br>
+            <a:br>
+              <a:rPr lang="pl-PL" sz="1200" dirty="0"/>
+            </a:br>
+            <a:r>
+              <a:rPr lang="pl-PL" sz="1200" dirty="0"/>
+              <a:t>Dane liczbowe zbierane na temat wydajności aplikacji, takie jak liczba żądań (ang. </a:t>
+            </a:r>
+            <a:r>
+              <a:rPr lang="pl-PL" sz="1200" dirty="0" err="1"/>
+              <a:t>request</a:t>
+            </a:r>
+            <a:r>
+              <a:rPr lang="pl-PL" sz="1200" dirty="0"/>
+              <a:t> </a:t>
+            </a:r>
+            <a:r>
+              <a:rPr lang="pl-PL" sz="1200" dirty="0" err="1"/>
+              <a:t>count</a:t>
+            </a:r>
+            <a:r>
+              <a:rPr lang="pl-PL" sz="1200" dirty="0"/>
+              <a:t>), opóźnienia (ang. </a:t>
+            </a:r>
+            <a:r>
+              <a:rPr lang="pl-PL" sz="1200" dirty="0" err="1"/>
+              <a:t>latency</a:t>
+            </a:r>
+            <a:r>
+              <a:rPr lang="pl-PL" sz="1200" dirty="0"/>
+              <a:t>) czy użycie zasobów(ang. </a:t>
+            </a:r>
+            <a:r>
+              <a:rPr lang="pl-PL" sz="1200" dirty="0" err="1"/>
+              <a:t>resource</a:t>
+            </a:r>
+            <a:r>
+              <a:rPr lang="pl-PL" sz="1200" dirty="0"/>
+              <a:t> </a:t>
+            </a:r>
+            <a:r>
+              <a:rPr lang="pl-PL" sz="1200" dirty="0" err="1"/>
+              <a:t>usage</a:t>
+            </a:r>
+            <a:r>
+              <a:rPr lang="pl-PL" sz="1200" dirty="0"/>
+              <a:t>). </a:t>
+            </a:r>
+            <a:br>
+              <a:rPr lang="pl-PL" sz="1200" dirty="0"/>
+            </a:br>
+            <a:br>
+              <a:rPr lang="pl-PL" sz="1200" dirty="0"/>
+            </a:br>
+            <a:r>
+              <a:rPr lang="pl-PL" sz="1200" dirty="0"/>
+              <a:t>Metryki pozwalają na monitorowanie w czasie rzeczywistym i reagowanie na anomalia wydajnościowe.</a:t>
+            </a:r>
+            <a:br>
+              <a:rPr lang="pl-PL" sz="1200" dirty="0"/>
+            </a:br>
+            <a:br>
+              <a:rPr lang="pl-PL" sz="1200" dirty="0"/>
+            </a:br>
+            <a:r>
+              <a:rPr lang="pl-PL" sz="800" dirty="0"/>
+              <a:t>[</a:t>
+            </a:r>
+            <a:r>
+              <a:rPr lang="pl-PL" sz="800" dirty="0" err="1"/>
+              <a:t>metrics_example.py</a:t>
+            </a:r>
+            <a:r>
+              <a:rPr lang="pl-PL" sz="800" dirty="0"/>
+              <a:t>]</a:t>
+            </a:r>
+            <a:br>
+              <a:rPr lang="pl-PL" sz="1200" dirty="0"/>
+            </a:br>
+            <a:endParaRPr lang="pl-PL" sz="1200" dirty="0"/>
+          </a:p>
+          <a:p>
+            <a:pPr lvl="1"/>
+            <a:r>
+              <a:rPr lang="pl-PL" sz="1200" dirty="0"/>
+              <a:t>Rodzaje metryk</a:t>
+            </a:r>
+          </a:p>
+          <a:p>
+            <a:pPr lvl="2"/>
+            <a:r>
+              <a:rPr lang="pl-PL" sz="1000" dirty="0" err="1"/>
+              <a:t>Counter</a:t>
+            </a:r>
+            <a:r>
+              <a:rPr lang="pl-PL" sz="1000" dirty="0"/>
+              <a:t> </a:t>
+            </a:r>
+          </a:p>
+          <a:p>
+            <a:pPr lvl="2"/>
+            <a:r>
+              <a:rPr lang="pl-PL" sz="1000" dirty="0" err="1"/>
+              <a:t>UpDownCounter</a:t>
+            </a:r>
+            <a:endParaRPr lang="pl-PL" sz="1000" dirty="0"/>
+          </a:p>
+          <a:p>
+            <a:pPr lvl="2"/>
+            <a:r>
+              <a:rPr lang="pl-PL" sz="1000" dirty="0"/>
+              <a:t>Histogram</a:t>
+            </a:r>
+          </a:p>
+          <a:p>
+            <a:pPr lvl="2"/>
+            <a:r>
+              <a:rPr lang="pl-PL" sz="1000" dirty="0" err="1"/>
+              <a:t>Gauge</a:t>
+            </a:r>
+            <a:r>
+              <a:rPr lang="pl-PL" sz="1000" dirty="0"/>
+              <a:t> </a:t>
+            </a:r>
+            <a:br>
+              <a:rPr lang="pl-PL" sz="1000" dirty="0"/>
+            </a:br>
+            <a:br>
+              <a:rPr lang="pl-PL" sz="1000" dirty="0"/>
+            </a:br>
+            <a:r>
+              <a:rPr lang="pl-PL" sz="800" dirty="0"/>
+              <a:t>[</a:t>
+            </a:r>
+            <a:r>
+              <a:rPr lang="pl-PL" sz="800" dirty="0" err="1"/>
+              <a:t>metric_types_example.py</a:t>
+            </a:r>
+            <a:r>
+              <a:rPr lang="pl-PL" sz="800" dirty="0"/>
+              <a:t>] + [</a:t>
+            </a:r>
+            <a:r>
+              <a:rPr lang="pl-PL" sz="800" dirty="0" err="1"/>
+              <a:t>metrics_prometheus.yml</a:t>
+            </a:r>
+            <a:r>
+              <a:rPr lang="pl-PL" sz="800" dirty="0"/>
+              <a:t>]</a:t>
+            </a:r>
+            <a:br>
+              <a:rPr lang="pl-PL" sz="800" dirty="0"/>
+            </a:br>
+            <a:endParaRPr lang="pl-PL" sz="800" dirty="0"/>
+          </a:p>
+        </p:txBody>
+      </p:sp>
+      <p:sp>
+        <p:nvSpPr>
+          <p:cNvPr id="6" name="Title 1">
+            <a:extLst>
+              <a:ext uri="{FF2B5EF4-FFF2-40B4-BE49-F238E27FC236}">
+                <a16:creationId xmlns:a16="http://schemas.microsoft.com/office/drawing/2014/main" id="{93419A63-BA5B-D859-95D9-441A4C0EEE91}"/>
+              </a:ext>
+            </a:extLst>
+          </p:cNvPr>
+          <p:cNvSpPr>
+            <a:spLocks noGrp="1"/>
+          </p:cNvSpPr>
+          <p:nvPr>
+            <p:ph type="title"/>
+          </p:nvPr>
+        </p:nvSpPr>
+        <p:spPr>
+          <a:noFill/>
+        </p:spPr>
+        <p:txBody>
+          <a:bodyPr>
+            <a:noAutofit/>
+          </a:bodyPr>
+          <a:lstStyle/>
+          <a:p>
+            <a:pPr algn="l"/>
+            <a:r>
+              <a:rPr lang="pl-PL" sz="2000" dirty="0">
+                <a:highlight>
+                  <a:srgbClr val="00FF00"/>
+                </a:highlight>
+              </a:rPr>
+              <a:t>Dzień 1: Wizualizacja, Tematy Zaawansowane i Praktyczne Ćwiczenia</a:t>
+            </a:r>
+            <a:br>
+              <a:rPr lang="pl-PL" sz="2000" dirty="0">
+                <a:highlight>
+                  <a:srgbClr val="00FF00"/>
+                </a:highlight>
+              </a:rPr>
+            </a:br>
+            <a:br>
+              <a:rPr lang="pl-PL" sz="2000" dirty="0">
+                <a:highlight>
+                  <a:srgbClr val="00FF00"/>
+                </a:highlight>
+              </a:rPr>
+            </a:br>
+            <a:r>
+              <a:rPr lang="pl-PL" sz="1800" dirty="0">
+                <a:highlight>
+                  <a:srgbClr val="00FF00"/>
+                </a:highlight>
+              </a:rPr>
+              <a:t>Sesja 1: </a:t>
+            </a:r>
+            <a:r>
+              <a:rPr lang="en-GB" sz="1800" dirty="0" err="1">
+                <a:highlight>
+                  <a:srgbClr val="00FF00"/>
+                </a:highlight>
+              </a:rPr>
+              <a:t>Wprowadzenie</a:t>
+            </a:r>
+            <a:r>
+              <a:rPr lang="en-GB" sz="1800" dirty="0">
+                <a:highlight>
+                  <a:srgbClr val="00FF00"/>
+                </a:highlight>
+              </a:rPr>
+              <a:t>, </a:t>
+            </a:r>
+            <a:r>
+              <a:rPr lang="en-GB" sz="1800" dirty="0" err="1">
+                <a:highlight>
+                  <a:srgbClr val="00FF00"/>
+                </a:highlight>
+              </a:rPr>
+              <a:t>Konfiguracja</a:t>
+            </a:r>
+            <a:r>
+              <a:rPr lang="en-GB" sz="1800" dirty="0">
+                <a:highlight>
+                  <a:srgbClr val="00FF00"/>
+                </a:highlight>
+              </a:rPr>
+              <a:t> </a:t>
+            </a:r>
+            <a:r>
+              <a:rPr lang="en-GB" sz="1800" dirty="0" err="1">
+                <a:highlight>
+                  <a:srgbClr val="00FF00"/>
+                </a:highlight>
+              </a:rPr>
+              <a:t>i</a:t>
+            </a:r>
+            <a:r>
+              <a:rPr lang="en-GB" sz="1800" dirty="0">
+                <a:highlight>
+                  <a:srgbClr val="00FF00"/>
+                </a:highlight>
+              </a:rPr>
+              <a:t> </a:t>
+            </a:r>
+            <a:r>
+              <a:rPr lang="en-GB" sz="1800" dirty="0" err="1">
+                <a:highlight>
+                  <a:srgbClr val="00FF00"/>
+                </a:highlight>
+              </a:rPr>
+              <a:t>Instrumentacja</a:t>
+            </a:r>
+            <a:r>
+              <a:rPr lang="en-GB" sz="1800" dirty="0">
+                <a:highlight>
+                  <a:srgbClr val="00FF00"/>
+                </a:highlight>
+              </a:rPr>
+              <a:t>: </a:t>
+            </a:r>
+            <a:endParaRPr lang="pl-PL" sz="2000" dirty="0">
+              <a:highlight>
+                <a:srgbClr val="00FF00"/>
+              </a:highlight>
+            </a:endParaRPr>
+          </a:p>
+        </p:txBody>
+      </p:sp>
+    </p:spTree>
+    <p:extLst>
+      <p:ext uri="{BB962C8B-B14F-4D97-AF65-F5344CB8AC3E}">
+        <p14:creationId xmlns:p14="http://schemas.microsoft.com/office/powerpoint/2010/main" val="1296513839"/>
+      </p:ext>
+    </p:extLst>
+  </p:cSld>
+  <p:clrMapOvr>
+    <a:masterClrMapping/>
+  </p:clrMapOvr>
+</p:sld>
+</file>
+
+<file path=ppt/slides/slide7.xml><?xml version="1.0" encoding="utf-8"?>
 <p:sld xmlns:a="http://schemas.openxmlformats.org/drawingml/2006/main" xmlns:r="http://schemas.openxmlformats.org/officeDocument/2006/relationships" xmlns:p="http://schemas.openxmlformats.org/presentationml/2006/main">
   <p:cSld>
     <p:spTree>

--- a/otel teoria/Day 1 session 1.1 Przeglad Obserwowalnosci.pptx
+++ b/otel teoria/Day 1 session 1.1 Przeglad Obserwowalnosci.pptx
@@ -214,7 +214,7 @@
           <a:p>
             <a:fld id="{B6182559-CB5C-D240-A660-003CD22EEEA2}" type="datetimeFigureOut">
               <a:rPr lang="pl-PL" smtClean="0"/>
-              <a:t>29.09.2024</a:t>
+              <a:t>1.10.2024</a:t>
             </a:fld>
             <a:endParaRPr lang="pl-PL"/>
           </a:p>
@@ -661,7 +661,7 @@
           <a:p>
             <a:fld id="{5BCAD085-E8A6-8845-BD4E-CB4CCA059FC4}" type="datetimeFigureOut">
               <a:rPr lang="en-US" smtClean="0"/>
-              <a:t>9/29/24</a:t>
+              <a:t>10/1/24</a:t>
             </a:fld>
             <a:endParaRPr lang="en-US"/>
           </a:p>
@@ -829,7 +829,7 @@
           <a:p>
             <a:fld id="{5BCAD085-E8A6-8845-BD4E-CB4CCA059FC4}" type="datetimeFigureOut">
               <a:rPr lang="en-US" smtClean="0"/>
-              <a:t>9/29/24</a:t>
+              <a:t>10/1/24</a:t>
             </a:fld>
             <a:endParaRPr lang="en-US"/>
           </a:p>
@@ -1007,7 +1007,7 @@
           <a:p>
             <a:fld id="{5BCAD085-E8A6-8845-BD4E-CB4CCA059FC4}" type="datetimeFigureOut">
               <a:rPr lang="en-US" smtClean="0"/>
-              <a:t>9/29/24</a:t>
+              <a:t>10/1/24</a:t>
             </a:fld>
             <a:endParaRPr lang="en-US"/>
           </a:p>
@@ -1175,7 +1175,7 @@
           <a:p>
             <a:fld id="{5BCAD085-E8A6-8845-BD4E-CB4CCA059FC4}" type="datetimeFigureOut">
               <a:rPr lang="en-US" smtClean="0"/>
-              <a:t>9/29/24</a:t>
+              <a:t>10/1/24</a:t>
             </a:fld>
             <a:endParaRPr lang="en-US"/>
           </a:p>
@@ -1420,7 +1420,7 @@
           <a:p>
             <a:fld id="{5BCAD085-E8A6-8845-BD4E-CB4CCA059FC4}" type="datetimeFigureOut">
               <a:rPr lang="en-US" smtClean="0"/>
-              <a:t>9/29/24</a:t>
+              <a:t>10/1/24</a:t>
             </a:fld>
             <a:endParaRPr lang="en-US"/>
           </a:p>
@@ -1705,7 +1705,7 @@
           <a:p>
             <a:fld id="{5BCAD085-E8A6-8845-BD4E-CB4CCA059FC4}" type="datetimeFigureOut">
               <a:rPr lang="en-US" smtClean="0"/>
-              <a:t>9/29/24</a:t>
+              <a:t>10/1/24</a:t>
             </a:fld>
             <a:endParaRPr lang="en-US"/>
           </a:p>
@@ -2124,7 +2124,7 @@
           <a:p>
             <a:fld id="{5BCAD085-E8A6-8845-BD4E-CB4CCA059FC4}" type="datetimeFigureOut">
               <a:rPr lang="en-US" smtClean="0"/>
-              <a:t>9/29/24</a:t>
+              <a:t>10/1/24</a:t>
             </a:fld>
             <a:endParaRPr lang="en-US"/>
           </a:p>
@@ -2241,7 +2241,7 @@
           <a:p>
             <a:fld id="{5BCAD085-E8A6-8845-BD4E-CB4CCA059FC4}" type="datetimeFigureOut">
               <a:rPr lang="en-US" smtClean="0"/>
-              <a:t>9/29/24</a:t>
+              <a:t>10/1/24</a:t>
             </a:fld>
             <a:endParaRPr lang="en-US"/>
           </a:p>
@@ -2336,7 +2336,7 @@
           <a:p>
             <a:fld id="{5BCAD085-E8A6-8845-BD4E-CB4CCA059FC4}" type="datetimeFigureOut">
               <a:rPr lang="en-US" smtClean="0"/>
-              <a:t>9/29/24</a:t>
+              <a:t>10/1/24</a:t>
             </a:fld>
             <a:endParaRPr lang="en-US"/>
           </a:p>
@@ -2611,7 +2611,7 @@
           <a:p>
             <a:fld id="{5BCAD085-E8A6-8845-BD4E-CB4CCA059FC4}" type="datetimeFigureOut">
               <a:rPr lang="en-US" smtClean="0"/>
-              <a:t>9/29/24</a:t>
+              <a:t>10/1/24</a:t>
             </a:fld>
             <a:endParaRPr lang="en-US"/>
           </a:p>
@@ -2863,7 +2863,7 @@
           <a:p>
             <a:fld id="{5BCAD085-E8A6-8845-BD4E-CB4CCA059FC4}" type="datetimeFigureOut">
               <a:rPr lang="en-US" smtClean="0"/>
-              <a:t>9/29/24</a:t>
+              <a:t>10/1/24</a:t>
             </a:fld>
             <a:endParaRPr lang="en-US"/>
           </a:p>
@@ -3074,7 +3074,7 @@
           <a:p>
             <a:fld id="{5BCAD085-E8A6-8845-BD4E-CB4CCA059FC4}" type="datetimeFigureOut">
               <a:rPr lang="en-US" smtClean="0"/>
-              <a:t>9/29/24</a:t>
+              <a:t>10/1/24</a:t>
             </a:fld>
             <a:endParaRPr lang="en-US"/>
           </a:p>
@@ -3496,50 +3496,15 @@
           <a:lstStyle/>
           <a:p>
             <a:r>
-              <a:rPr dirty="0"/>
-              <a:t>Plan </a:t>
-            </a:r>
-            <a:r>
-              <a:rPr dirty="0" err="1"/>
-              <a:t>szkolenia</a:t>
-            </a:r>
-            <a:r>
-              <a:rPr dirty="0"/>
-              <a:t> z </a:t>
-            </a:r>
-            <a:r>
-              <a:rPr dirty="0" err="1"/>
-              <a:t>dodatkowymi</a:t>
-            </a:r>
-            <a:r>
-              <a:rPr dirty="0"/>
-              <a:t> </a:t>
-            </a:r>
-            <a:r>
-              <a:rPr dirty="0" err="1"/>
-              <a:t>materiałami</a:t>
-            </a:r>
-            <a:r>
-              <a:rPr dirty="0"/>
-              <a:t> </a:t>
-            </a:r>
-            <a:r>
-              <a:rPr dirty="0" err="1"/>
-              <a:t>i</a:t>
-            </a:r>
-            <a:r>
-              <a:rPr dirty="0"/>
-              <a:t> </a:t>
-            </a:r>
-            <a:r>
-              <a:rPr dirty="0" err="1"/>
-              <a:t>przykładami</a:t>
-            </a:r>
-            <a:r>
-              <a:rPr lang="en-US" dirty="0" err="1"/>
-              <a:t>downl</a:t>
-            </a:r>
-            <a:endParaRPr dirty="0"/>
+              <a:rPr lang="pl-PL" noProof="0" dirty="0"/>
+              <a:t>Przegląd </a:t>
+            </a:r>
+          </a:p>
+          <a:p>
+            <a:r>
+              <a:rPr lang="pl-PL" noProof="0" dirty="0"/>
+              <a:t>Obserwowalności </a:t>
+            </a:r>
           </a:p>
         </p:txBody>
       </p:sp>
@@ -3632,54 +3597,28 @@
             <a:endParaRPr lang="pl-PL" sz="1400" dirty="0"/>
           </a:p>
           <a:p>
-            <a:pPr marL="571500" lvl="1" indent="-171450">
-              <a:buFont typeface="Arial" panose="020B0604020202020204" pitchFamily="34" charset="0"/>
-              <a:buChar char="•"/>
-            </a:pPr>
-            <a:r>
-              <a:rPr lang="pl-PL" sz="1400" dirty="0">
-                <a:highlight>
-                  <a:srgbClr val="00FF00"/>
-                </a:highlight>
-              </a:rPr>
+            <a:pPr marL="571500" lvl="1" indent="-171450"/>
+            <a:r>
+              <a:rPr lang="pl-PL" sz="1400" dirty="0"/>
               <a:t>Sesja 1: Przegląd Obserwowalności </a:t>
             </a:r>
           </a:p>
           <a:p>
-            <a:pPr marL="571500" lvl="1" indent="-171450">
-              <a:buFont typeface="Arial" panose="020B0604020202020204" pitchFamily="34" charset="0"/>
-              <a:buChar char="•"/>
-            </a:pPr>
+            <a:pPr marL="571500" lvl="1" indent="-171450"/>
             <a:r>
               <a:rPr lang="pl-PL" sz="1400" dirty="0"/>
               <a:t>Sesja 2: Wprowadzenie do OpenTelemetry</a:t>
             </a:r>
           </a:p>
           <a:p>
-            <a:pPr marL="571500" lvl="1" indent="-171450">
-              <a:buFont typeface="Arial" panose="020B0604020202020204" pitchFamily="34" charset="0"/>
-              <a:buChar char="•"/>
-            </a:pPr>
-            <a:r>
-              <a:rPr lang="pl-PL" sz="1400" dirty="0"/>
-              <a:t>Sesja 3: Przypadki użycia OpenTelemetry</a:t>
-            </a:r>
-          </a:p>
-          <a:p>
-            <a:pPr marL="571500" lvl="1" indent="-171450">
-              <a:buFont typeface="Arial" panose="020B0604020202020204" pitchFamily="34" charset="0"/>
-              <a:buChar char="•"/>
-            </a:pPr>
+            <a:pPr marL="571500" lvl="1" indent="-171450"/>
             <a:r>
               <a:rPr lang="pl-PL" sz="1400" dirty="0"/>
               <a:t>Sesja 3: Instrumentacja z OpenTelemetry</a:t>
             </a:r>
           </a:p>
           <a:p>
-            <a:pPr marL="571500" lvl="1" indent="-171450">
-              <a:buFont typeface="Arial" panose="020B0604020202020204" pitchFamily="34" charset="0"/>
-              <a:buChar char="•"/>
-            </a:pPr>
+            <a:pPr marL="571500" lvl="1" indent="-171450"/>
             <a:r>
               <a:rPr lang="pl-PL" sz="1400" dirty="0"/>
               <a:t>Sesja 4: Zbieranie i Eksport Danych</a:t>
@@ -3713,13 +3652,24 @@
             <a:endParaRPr lang="pl-PL" sz="1400" dirty="0"/>
           </a:p>
           <a:p>
-            <a:pPr marL="571500" lvl="1" indent="-171450">
-              <a:buFont typeface="Arial" panose="020B0604020202020204" pitchFamily="34" charset="0"/>
-              <a:buChar char="•"/>
-            </a:pPr>
+            <a:pPr marL="571500" lvl="1" indent="-171450"/>
             <a:r>
               <a:rPr lang="pl-PL" sz="1400" dirty="0"/>
-              <a:t>Sesja 1: Wizualizacja Danych Telemetrycznych z </a:t>
+              <a:t>Sesja 1: Zaawansowane Tematy OpenTelemetry</a:t>
+            </a:r>
+          </a:p>
+          <a:p>
+            <a:pPr marL="571500" lvl="1" indent="-171450"/>
+            <a:r>
+              <a:rPr lang="pl-PL" sz="1400" dirty="0"/>
+              <a:t>Sesja 2: Rozwiązywanie Problemów i Analiza</a:t>
+            </a:r>
+          </a:p>
+          <a:p>
+            <a:pPr marL="571500" lvl="1" indent="-171450"/>
+            <a:r>
+              <a:rPr lang="pl-PL" sz="1400" dirty="0"/>
+              <a:t>Sesja 3: Wizualizacja Danych Telemetrycznych z </a:t>
             </a:r>
             <a:r>
               <a:rPr lang="pl-PL" sz="1400" dirty="0" err="1"/>
@@ -3728,30 +3678,7 @@
             <a:endParaRPr lang="pl-PL" sz="1400" dirty="0"/>
           </a:p>
           <a:p>
-            <a:pPr marL="571500" lvl="1" indent="-171450">
-              <a:buFont typeface="Arial" panose="020B0604020202020204" pitchFamily="34" charset="0"/>
-              <a:buChar char="•"/>
-            </a:pPr>
-            <a:r>
-              <a:rPr lang="pl-PL" sz="1400" dirty="0"/>
-              <a:t>Sesja 2: Zaawansowane Tematy OpenTelemetry</a:t>
-            </a:r>
-          </a:p>
-          <a:p>
-            <a:pPr marL="571500" lvl="1" indent="-171450">
-              <a:buFont typeface="Arial" panose="020B0604020202020204" pitchFamily="34" charset="0"/>
-              <a:buChar char="•"/>
-            </a:pPr>
-            <a:r>
-              <a:rPr lang="pl-PL" sz="1400" dirty="0"/>
-              <a:t>Sesja 3: Rozwiązywanie Problemów i Analiza</a:t>
-            </a:r>
-          </a:p>
-          <a:p>
-            <a:pPr marL="571500" lvl="1" indent="-171450">
-              <a:buFont typeface="Arial" panose="020B0604020202020204" pitchFamily="34" charset="0"/>
-              <a:buChar char="•"/>
-            </a:pPr>
+            <a:pPr marL="571500" lvl="1" indent="-171450"/>
             <a:r>
               <a:rPr lang="pl-PL" sz="1400" dirty="0"/>
               <a:t>Sesja 4: Projekt Końcowy</a:t>
@@ -3854,104 +3781,52 @@
           <a:p>
             <a:pPr algn="l"/>
             <a:r>
-              <a:rPr lang="pl-PL" sz="2000" dirty="0">
-                <a:highlight>
-                  <a:srgbClr val="00FF00"/>
-                </a:highlight>
-              </a:rPr>
+              <a:rPr lang="pl-PL" sz="2000" dirty="0"/>
               <a:t>Dzień 1: Wizualizacja, Tematy Zaawansowane i Praktyczne Ćwiczenia</a:t>
             </a:r>
             <a:br>
-              <a:rPr lang="pl-PL" sz="2000" dirty="0">
-                <a:highlight>
-                  <a:srgbClr val="00FF00"/>
-                </a:highlight>
-              </a:rPr>
+              <a:rPr lang="pl-PL" sz="2000" dirty="0"/>
             </a:br>
             <a:br>
-              <a:rPr lang="pl-PL" sz="2000" dirty="0">
-                <a:highlight>
-                  <a:srgbClr val="00FF00"/>
-                </a:highlight>
-              </a:rPr>
+              <a:rPr lang="pl-PL" sz="2000" dirty="0"/>
             </a:br>
             <a:r>
-              <a:rPr lang="pl-PL" sz="1800" dirty="0">
-                <a:highlight>
-                  <a:srgbClr val="00FF00"/>
-                </a:highlight>
-              </a:rPr>
+              <a:rPr lang="pl-PL" sz="1800" dirty="0"/>
               <a:t>Sesja 1: </a:t>
             </a:r>
             <a:r>
-              <a:rPr lang="en-GB" sz="1800" dirty="0" err="1">
-                <a:highlight>
-                  <a:srgbClr val="00FF00"/>
-                </a:highlight>
-              </a:rPr>
+              <a:rPr lang="en-GB" sz="1800" dirty="0" err="1"/>
               <a:t>Wprowadzenie</a:t>
             </a:r>
             <a:r>
-              <a:rPr lang="en-GB" sz="1800" dirty="0">
-                <a:highlight>
-                  <a:srgbClr val="00FF00"/>
-                </a:highlight>
-              </a:rPr>
+              <a:rPr lang="en-GB" sz="1800" dirty="0"/>
               <a:t>, </a:t>
             </a:r>
             <a:r>
-              <a:rPr lang="en-GB" sz="1800" dirty="0" err="1">
-                <a:highlight>
-                  <a:srgbClr val="00FF00"/>
-                </a:highlight>
-              </a:rPr>
+              <a:rPr lang="en-GB" sz="1800" dirty="0" err="1"/>
               <a:t>Konfiguracja</a:t>
             </a:r>
             <a:r>
-              <a:rPr lang="en-GB" sz="1800" dirty="0">
-                <a:highlight>
-                  <a:srgbClr val="00FF00"/>
-                </a:highlight>
-              </a:rPr>
+              <a:rPr lang="en-GB" sz="1800" dirty="0"/>
               <a:t> </a:t>
             </a:r>
             <a:r>
-              <a:rPr lang="en-GB" sz="1800" dirty="0" err="1">
-                <a:highlight>
-                  <a:srgbClr val="00FF00"/>
-                </a:highlight>
-              </a:rPr>
+              <a:rPr lang="en-GB" sz="1800" dirty="0" err="1"/>
               <a:t>i</a:t>
             </a:r>
             <a:r>
-              <a:rPr lang="en-GB" sz="1800" dirty="0">
-                <a:highlight>
-                  <a:srgbClr val="00FF00"/>
-                </a:highlight>
-              </a:rPr>
+              <a:rPr lang="en-GB" sz="1800" dirty="0"/>
               <a:t> </a:t>
             </a:r>
             <a:r>
-              <a:rPr lang="en-GB" sz="1800" dirty="0" err="1">
-                <a:highlight>
-                  <a:srgbClr val="00FF00"/>
-                </a:highlight>
-              </a:rPr>
+              <a:rPr lang="en-GB" sz="1800" dirty="0" err="1"/>
               <a:t>Instrumentacja</a:t>
             </a:r>
             <a:r>
-              <a:rPr lang="en-GB" sz="1800" dirty="0">
-                <a:highlight>
-                  <a:srgbClr val="00FF00"/>
-                </a:highlight>
-              </a:rPr>
+              <a:rPr lang="en-GB" sz="1800" dirty="0"/>
               <a:t>: </a:t>
             </a:r>
-            <a:endParaRPr lang="pl-PL" sz="2000" dirty="0">
-              <a:highlight>
-                <a:srgbClr val="00FF00"/>
-              </a:highlight>
-            </a:endParaRPr>
+            <a:endParaRPr lang="pl-PL" sz="2000" dirty="0"/>
           </a:p>
         </p:txBody>
       </p:sp>
@@ -4018,104 +3893,52 @@
           <a:p>
             <a:pPr algn="l"/>
             <a:r>
-              <a:rPr lang="pl-PL" sz="2000" dirty="0">
-                <a:highlight>
-                  <a:srgbClr val="00FF00"/>
-                </a:highlight>
-              </a:rPr>
+              <a:rPr lang="pl-PL" sz="2000" dirty="0"/>
               <a:t>Dzień 1: Wizualizacja, Tematy Zaawansowane i Praktyczne Ćwiczenia</a:t>
             </a:r>
             <a:br>
-              <a:rPr lang="pl-PL" sz="2000" dirty="0">
-                <a:highlight>
-                  <a:srgbClr val="00FF00"/>
-                </a:highlight>
-              </a:rPr>
+              <a:rPr lang="pl-PL" sz="2000" dirty="0"/>
             </a:br>
             <a:br>
-              <a:rPr lang="pl-PL" sz="2000" dirty="0">
-                <a:highlight>
-                  <a:srgbClr val="00FF00"/>
-                </a:highlight>
-              </a:rPr>
+              <a:rPr lang="pl-PL" sz="2000" dirty="0"/>
             </a:br>
             <a:r>
-              <a:rPr lang="pl-PL" sz="1800" dirty="0">
-                <a:highlight>
-                  <a:srgbClr val="00FF00"/>
-                </a:highlight>
-              </a:rPr>
+              <a:rPr lang="pl-PL" sz="1800" dirty="0"/>
               <a:t>Sesja 1: </a:t>
             </a:r>
             <a:r>
-              <a:rPr lang="en-GB" sz="1800" dirty="0" err="1">
-                <a:highlight>
-                  <a:srgbClr val="00FF00"/>
-                </a:highlight>
-              </a:rPr>
+              <a:rPr lang="en-GB" sz="1800" dirty="0" err="1"/>
               <a:t>Wprowadzenie</a:t>
             </a:r>
             <a:r>
-              <a:rPr lang="en-GB" sz="1800" dirty="0">
-                <a:highlight>
-                  <a:srgbClr val="00FF00"/>
-                </a:highlight>
-              </a:rPr>
+              <a:rPr lang="en-GB" sz="1800" dirty="0"/>
               <a:t>, </a:t>
             </a:r>
             <a:r>
-              <a:rPr lang="en-GB" sz="1800" dirty="0" err="1">
-                <a:highlight>
-                  <a:srgbClr val="00FF00"/>
-                </a:highlight>
-              </a:rPr>
+              <a:rPr lang="en-GB" sz="1800" dirty="0" err="1"/>
               <a:t>Konfiguracja</a:t>
             </a:r>
             <a:r>
-              <a:rPr lang="en-GB" sz="1800" dirty="0">
-                <a:highlight>
-                  <a:srgbClr val="00FF00"/>
-                </a:highlight>
-              </a:rPr>
+              <a:rPr lang="en-GB" sz="1800" dirty="0"/>
               <a:t> </a:t>
             </a:r>
             <a:r>
-              <a:rPr lang="en-GB" sz="1800" dirty="0" err="1">
-                <a:highlight>
-                  <a:srgbClr val="00FF00"/>
-                </a:highlight>
-              </a:rPr>
+              <a:rPr lang="en-GB" sz="1800" dirty="0" err="1"/>
               <a:t>i</a:t>
             </a:r>
             <a:r>
-              <a:rPr lang="en-GB" sz="1800" dirty="0">
-                <a:highlight>
-                  <a:srgbClr val="00FF00"/>
-                </a:highlight>
-              </a:rPr>
+              <a:rPr lang="en-GB" sz="1800" dirty="0"/>
               <a:t> </a:t>
             </a:r>
             <a:r>
-              <a:rPr lang="en-GB" sz="1800" dirty="0" err="1">
-                <a:highlight>
-                  <a:srgbClr val="00FF00"/>
-                </a:highlight>
-              </a:rPr>
+              <a:rPr lang="en-GB" sz="1800" dirty="0" err="1"/>
               <a:t>Instrumentacja</a:t>
             </a:r>
             <a:r>
-              <a:rPr lang="en-GB" sz="1800" dirty="0">
-                <a:highlight>
-                  <a:srgbClr val="00FF00"/>
-                </a:highlight>
-              </a:rPr>
+              <a:rPr lang="en-GB" sz="1800" dirty="0"/>
               <a:t>: </a:t>
             </a:r>
-            <a:endParaRPr lang="pl-PL" sz="2000" dirty="0">
-              <a:highlight>
-                <a:srgbClr val="00FF00"/>
-              </a:highlight>
-            </a:endParaRPr>
+            <a:endParaRPr lang="pl-PL" sz="2000" dirty="0"/>
           </a:p>
         </p:txBody>
       </p:sp>
@@ -4416,104 +4239,52 @@
           <a:p>
             <a:pPr algn="l"/>
             <a:r>
-              <a:rPr lang="pl-PL" sz="2000" dirty="0">
-                <a:highlight>
-                  <a:srgbClr val="00FF00"/>
-                </a:highlight>
-              </a:rPr>
+              <a:rPr lang="pl-PL" sz="2000" dirty="0"/>
               <a:t>Dzień 1: Wizualizacja, Tematy Zaawansowane i Praktyczne Ćwiczenia</a:t>
             </a:r>
             <a:br>
-              <a:rPr lang="pl-PL" sz="2000" dirty="0">
-                <a:highlight>
-                  <a:srgbClr val="00FF00"/>
-                </a:highlight>
-              </a:rPr>
+              <a:rPr lang="pl-PL" sz="2000" dirty="0"/>
             </a:br>
             <a:br>
-              <a:rPr lang="pl-PL" sz="2000" dirty="0">
-                <a:highlight>
-                  <a:srgbClr val="00FF00"/>
-                </a:highlight>
-              </a:rPr>
+              <a:rPr lang="pl-PL" sz="2000" dirty="0"/>
             </a:br>
             <a:r>
-              <a:rPr lang="pl-PL" sz="1800" dirty="0">
-                <a:highlight>
-                  <a:srgbClr val="00FF00"/>
-                </a:highlight>
-              </a:rPr>
+              <a:rPr lang="pl-PL" sz="1800" dirty="0"/>
               <a:t>Sesja 1: </a:t>
             </a:r>
             <a:r>
-              <a:rPr lang="en-GB" sz="1800" dirty="0" err="1">
-                <a:highlight>
-                  <a:srgbClr val="00FF00"/>
-                </a:highlight>
-              </a:rPr>
+              <a:rPr lang="en-GB" sz="1800" dirty="0" err="1"/>
               <a:t>Wprowadzenie</a:t>
             </a:r>
             <a:r>
-              <a:rPr lang="en-GB" sz="1800" dirty="0">
-                <a:highlight>
-                  <a:srgbClr val="00FF00"/>
-                </a:highlight>
-              </a:rPr>
+              <a:rPr lang="en-GB" sz="1800" dirty="0"/>
               <a:t>, </a:t>
             </a:r>
             <a:r>
-              <a:rPr lang="en-GB" sz="1800" dirty="0" err="1">
-                <a:highlight>
-                  <a:srgbClr val="00FF00"/>
-                </a:highlight>
-              </a:rPr>
+              <a:rPr lang="en-GB" sz="1800" dirty="0" err="1"/>
               <a:t>Konfiguracja</a:t>
             </a:r>
             <a:r>
-              <a:rPr lang="en-GB" sz="1800" dirty="0">
-                <a:highlight>
-                  <a:srgbClr val="00FF00"/>
-                </a:highlight>
-              </a:rPr>
+              <a:rPr lang="en-GB" sz="1800" dirty="0"/>
               <a:t> </a:t>
             </a:r>
             <a:r>
-              <a:rPr lang="en-GB" sz="1800" dirty="0" err="1">
-                <a:highlight>
-                  <a:srgbClr val="00FF00"/>
-                </a:highlight>
-              </a:rPr>
+              <a:rPr lang="en-GB" sz="1800" dirty="0" err="1"/>
               <a:t>i</a:t>
             </a:r>
             <a:r>
-              <a:rPr lang="en-GB" sz="1800" dirty="0">
-                <a:highlight>
-                  <a:srgbClr val="00FF00"/>
-                </a:highlight>
-              </a:rPr>
+              <a:rPr lang="en-GB" sz="1800" dirty="0"/>
               <a:t> </a:t>
             </a:r>
             <a:r>
-              <a:rPr lang="en-GB" sz="1800" dirty="0" err="1">
-                <a:highlight>
-                  <a:srgbClr val="00FF00"/>
-                </a:highlight>
-              </a:rPr>
+              <a:rPr lang="en-GB" sz="1800" dirty="0" err="1"/>
               <a:t>Instrumentacja</a:t>
             </a:r>
             <a:r>
-              <a:rPr lang="en-GB" sz="1800" dirty="0">
-                <a:highlight>
-                  <a:srgbClr val="00FF00"/>
-                </a:highlight>
-              </a:rPr>
+              <a:rPr lang="en-GB" sz="1800" dirty="0"/>
               <a:t>: </a:t>
             </a:r>
-            <a:endParaRPr lang="pl-PL" sz="2000" dirty="0">
-              <a:highlight>
-                <a:srgbClr val="00FF00"/>
-              </a:highlight>
-            </a:endParaRPr>
+            <a:endParaRPr lang="pl-PL" sz="2000" dirty="0"/>
           </a:p>
         </p:txBody>
       </p:sp>
@@ -4774,104 +4545,52 @@
           <a:p>
             <a:pPr algn="l"/>
             <a:r>
-              <a:rPr lang="pl-PL" sz="2000" dirty="0">
-                <a:highlight>
-                  <a:srgbClr val="00FF00"/>
-                </a:highlight>
-              </a:rPr>
+              <a:rPr lang="pl-PL" sz="2000" dirty="0"/>
               <a:t>Dzień 1: Wizualizacja, Tematy Zaawansowane i Praktyczne Ćwiczenia</a:t>
             </a:r>
             <a:br>
-              <a:rPr lang="pl-PL" sz="2000" dirty="0">
-                <a:highlight>
-                  <a:srgbClr val="00FF00"/>
-                </a:highlight>
-              </a:rPr>
+              <a:rPr lang="pl-PL" sz="2000" dirty="0"/>
             </a:br>
             <a:br>
-              <a:rPr lang="pl-PL" sz="2000" dirty="0">
-                <a:highlight>
-                  <a:srgbClr val="00FF00"/>
-                </a:highlight>
-              </a:rPr>
+              <a:rPr lang="pl-PL" sz="2000" dirty="0"/>
             </a:br>
             <a:r>
-              <a:rPr lang="pl-PL" sz="1800" dirty="0">
-                <a:highlight>
-                  <a:srgbClr val="00FF00"/>
-                </a:highlight>
-              </a:rPr>
+              <a:rPr lang="pl-PL" sz="1800" dirty="0"/>
               <a:t>Sesja 1: </a:t>
             </a:r>
             <a:r>
-              <a:rPr lang="en-GB" sz="1800" dirty="0" err="1">
-                <a:highlight>
-                  <a:srgbClr val="00FF00"/>
-                </a:highlight>
-              </a:rPr>
+              <a:rPr lang="en-GB" sz="1800" dirty="0" err="1"/>
               <a:t>Wprowadzenie</a:t>
             </a:r>
             <a:r>
-              <a:rPr lang="en-GB" sz="1800" dirty="0">
-                <a:highlight>
-                  <a:srgbClr val="00FF00"/>
-                </a:highlight>
-              </a:rPr>
+              <a:rPr lang="en-GB" sz="1800" dirty="0"/>
               <a:t>, </a:t>
             </a:r>
             <a:r>
-              <a:rPr lang="en-GB" sz="1800" dirty="0" err="1">
-                <a:highlight>
-                  <a:srgbClr val="00FF00"/>
-                </a:highlight>
-              </a:rPr>
+              <a:rPr lang="en-GB" sz="1800" dirty="0" err="1"/>
               <a:t>Konfiguracja</a:t>
             </a:r>
             <a:r>
-              <a:rPr lang="en-GB" sz="1800" dirty="0">
-                <a:highlight>
-                  <a:srgbClr val="00FF00"/>
-                </a:highlight>
-              </a:rPr>
+              <a:rPr lang="en-GB" sz="1800" dirty="0"/>
               <a:t> </a:t>
             </a:r>
             <a:r>
-              <a:rPr lang="en-GB" sz="1800" dirty="0" err="1">
-                <a:highlight>
-                  <a:srgbClr val="00FF00"/>
-                </a:highlight>
-              </a:rPr>
+              <a:rPr lang="en-GB" sz="1800" dirty="0" err="1"/>
               <a:t>i</a:t>
             </a:r>
             <a:r>
-              <a:rPr lang="en-GB" sz="1800" dirty="0">
-                <a:highlight>
-                  <a:srgbClr val="00FF00"/>
-                </a:highlight>
-              </a:rPr>
+              <a:rPr lang="en-GB" sz="1800" dirty="0"/>
               <a:t> </a:t>
             </a:r>
             <a:r>
-              <a:rPr lang="en-GB" sz="1800" dirty="0" err="1">
-                <a:highlight>
-                  <a:srgbClr val="00FF00"/>
-                </a:highlight>
-              </a:rPr>
+              <a:rPr lang="en-GB" sz="1800" dirty="0" err="1"/>
               <a:t>Instrumentacja</a:t>
             </a:r>
             <a:r>
-              <a:rPr lang="en-GB" sz="1800" dirty="0">
-                <a:highlight>
-                  <a:srgbClr val="00FF00"/>
-                </a:highlight>
-              </a:rPr>
+              <a:rPr lang="en-GB" sz="1800" dirty="0"/>
               <a:t>: </a:t>
             </a:r>
-            <a:endParaRPr lang="pl-PL" sz="2000" dirty="0">
-              <a:highlight>
-                <a:srgbClr val="00FF00"/>
-              </a:highlight>
-            </a:endParaRPr>
+            <a:endParaRPr lang="pl-PL" sz="2000" dirty="0"/>
           </a:p>
         </p:txBody>
       </p:sp>
@@ -5035,104 +4754,52 @@
           <a:p>
             <a:pPr algn="l"/>
             <a:r>
-              <a:rPr lang="pl-PL" sz="2000" dirty="0">
-                <a:highlight>
-                  <a:srgbClr val="00FF00"/>
-                </a:highlight>
-              </a:rPr>
+              <a:rPr lang="pl-PL" sz="2000" dirty="0"/>
               <a:t>Dzień 1: Wizualizacja, Tematy Zaawansowane i Praktyczne Ćwiczenia</a:t>
             </a:r>
             <a:br>
-              <a:rPr lang="pl-PL" sz="2000" dirty="0">
-                <a:highlight>
-                  <a:srgbClr val="00FF00"/>
-                </a:highlight>
-              </a:rPr>
+              <a:rPr lang="pl-PL" sz="2000" dirty="0"/>
             </a:br>
             <a:br>
-              <a:rPr lang="pl-PL" sz="2000" dirty="0">
-                <a:highlight>
-                  <a:srgbClr val="00FF00"/>
-                </a:highlight>
-              </a:rPr>
+              <a:rPr lang="pl-PL" sz="2000" dirty="0"/>
             </a:br>
             <a:r>
-              <a:rPr lang="pl-PL" sz="1800" dirty="0">
-                <a:highlight>
-                  <a:srgbClr val="00FF00"/>
-                </a:highlight>
-              </a:rPr>
+              <a:rPr lang="pl-PL" sz="1800" dirty="0"/>
               <a:t>Sesja 1: </a:t>
             </a:r>
             <a:r>
-              <a:rPr lang="en-GB" sz="1800" dirty="0" err="1">
-                <a:highlight>
-                  <a:srgbClr val="00FF00"/>
-                </a:highlight>
-              </a:rPr>
+              <a:rPr lang="en-GB" sz="1800" dirty="0" err="1"/>
               <a:t>Wprowadzenie</a:t>
             </a:r>
             <a:r>
-              <a:rPr lang="en-GB" sz="1800" dirty="0">
-                <a:highlight>
-                  <a:srgbClr val="00FF00"/>
-                </a:highlight>
-              </a:rPr>
+              <a:rPr lang="en-GB" sz="1800" dirty="0"/>
               <a:t>, </a:t>
             </a:r>
             <a:r>
-              <a:rPr lang="en-GB" sz="1800" dirty="0" err="1">
-                <a:highlight>
-                  <a:srgbClr val="00FF00"/>
-                </a:highlight>
-              </a:rPr>
+              <a:rPr lang="en-GB" sz="1800" dirty="0" err="1"/>
               <a:t>Konfiguracja</a:t>
             </a:r>
             <a:r>
-              <a:rPr lang="en-GB" sz="1800" dirty="0">
-                <a:highlight>
-                  <a:srgbClr val="00FF00"/>
-                </a:highlight>
-              </a:rPr>
+              <a:rPr lang="en-GB" sz="1800" dirty="0"/>
               <a:t> </a:t>
             </a:r>
             <a:r>
-              <a:rPr lang="en-GB" sz="1800" dirty="0" err="1">
-                <a:highlight>
-                  <a:srgbClr val="00FF00"/>
-                </a:highlight>
-              </a:rPr>
+              <a:rPr lang="en-GB" sz="1800" dirty="0" err="1"/>
               <a:t>i</a:t>
             </a:r>
             <a:r>
-              <a:rPr lang="en-GB" sz="1800" dirty="0">
-                <a:highlight>
-                  <a:srgbClr val="00FF00"/>
-                </a:highlight>
-              </a:rPr>
+              <a:rPr lang="en-GB" sz="1800" dirty="0"/>
               <a:t> </a:t>
             </a:r>
             <a:r>
-              <a:rPr lang="en-GB" sz="1800" dirty="0" err="1">
-                <a:highlight>
-                  <a:srgbClr val="00FF00"/>
-                </a:highlight>
-              </a:rPr>
+              <a:rPr lang="en-GB" sz="1800" dirty="0" err="1"/>
               <a:t>Instrumentacja</a:t>
             </a:r>
             <a:r>
-              <a:rPr lang="en-GB" sz="1800" dirty="0">
-                <a:highlight>
-                  <a:srgbClr val="00FF00"/>
-                </a:highlight>
-              </a:rPr>
+              <a:rPr lang="en-GB" sz="1800" dirty="0"/>
               <a:t>: </a:t>
             </a:r>
-            <a:endParaRPr lang="pl-PL" sz="2000" dirty="0">
-              <a:highlight>
-                <a:srgbClr val="00FF00"/>
-              </a:highlight>
-            </a:endParaRPr>
+            <a:endParaRPr lang="pl-PL" sz="2000" dirty="0"/>
           </a:p>
         </p:txBody>
       </p:sp>

--- a/otel teoria/Day 1 session 1.1 Przeglad Obserwowalnosci.pptx
+++ b/otel teoria/Day 1 session 1.1 Przeglad Obserwowalnosci.pptx
@@ -5,7 +5,7 @@
     <p:sldMasterId id="2147483648" r:id="rId1"/>
   </p:sldMasterIdLst>
   <p:notesMasterIdLst>
-    <p:notesMasterId r:id="rId9"/>
+    <p:notesMasterId r:id="rId10"/>
   </p:notesMasterIdLst>
   <p:sldIdLst>
     <p:sldId id="256" r:id="rId2"/>
@@ -15,6 +15,7 @@
     <p:sldId id="343" r:id="rId6"/>
     <p:sldId id="345" r:id="rId7"/>
     <p:sldId id="344" r:id="rId8"/>
+    <p:sldId id="346" r:id="rId9"/>
   </p:sldIdLst>
   <p:sldSz cx="9144000" cy="6858000" type="screen4x3"/>
   <p:notesSz cx="6858000" cy="9144000"/>
@@ -214,7 +215,7 @@
           <a:p>
             <a:fld id="{B6182559-CB5C-D240-A660-003CD22EEEA2}" type="datetimeFigureOut">
               <a:rPr lang="pl-PL" smtClean="0"/>
-              <a:t>1.10.2024</a:t>
+              <a:t>2.10.2024</a:t>
             </a:fld>
             <a:endParaRPr lang="pl-PL"/>
           </a:p>
@@ -661,7 +662,7 @@
           <a:p>
             <a:fld id="{5BCAD085-E8A6-8845-BD4E-CB4CCA059FC4}" type="datetimeFigureOut">
               <a:rPr lang="en-US" smtClean="0"/>
-              <a:t>10/1/24</a:t>
+              <a:t>10/2/24</a:t>
             </a:fld>
             <a:endParaRPr lang="en-US"/>
           </a:p>
@@ -829,7 +830,7 @@
           <a:p>
             <a:fld id="{5BCAD085-E8A6-8845-BD4E-CB4CCA059FC4}" type="datetimeFigureOut">
               <a:rPr lang="en-US" smtClean="0"/>
-              <a:t>10/1/24</a:t>
+              <a:t>10/2/24</a:t>
             </a:fld>
             <a:endParaRPr lang="en-US"/>
           </a:p>
@@ -1007,7 +1008,7 @@
           <a:p>
             <a:fld id="{5BCAD085-E8A6-8845-BD4E-CB4CCA059FC4}" type="datetimeFigureOut">
               <a:rPr lang="en-US" smtClean="0"/>
-              <a:t>10/1/24</a:t>
+              <a:t>10/2/24</a:t>
             </a:fld>
             <a:endParaRPr lang="en-US"/>
           </a:p>
@@ -1175,7 +1176,7 @@
           <a:p>
             <a:fld id="{5BCAD085-E8A6-8845-BD4E-CB4CCA059FC4}" type="datetimeFigureOut">
               <a:rPr lang="en-US" smtClean="0"/>
-              <a:t>10/1/24</a:t>
+              <a:t>10/2/24</a:t>
             </a:fld>
             <a:endParaRPr lang="en-US"/>
           </a:p>
@@ -1420,7 +1421,7 @@
           <a:p>
             <a:fld id="{5BCAD085-E8A6-8845-BD4E-CB4CCA059FC4}" type="datetimeFigureOut">
               <a:rPr lang="en-US" smtClean="0"/>
-              <a:t>10/1/24</a:t>
+              <a:t>10/2/24</a:t>
             </a:fld>
             <a:endParaRPr lang="en-US"/>
           </a:p>
@@ -1705,7 +1706,7 @@
           <a:p>
             <a:fld id="{5BCAD085-E8A6-8845-BD4E-CB4CCA059FC4}" type="datetimeFigureOut">
               <a:rPr lang="en-US" smtClean="0"/>
-              <a:t>10/1/24</a:t>
+              <a:t>10/2/24</a:t>
             </a:fld>
             <a:endParaRPr lang="en-US"/>
           </a:p>
@@ -2124,7 +2125,7 @@
           <a:p>
             <a:fld id="{5BCAD085-E8A6-8845-BD4E-CB4CCA059FC4}" type="datetimeFigureOut">
               <a:rPr lang="en-US" smtClean="0"/>
-              <a:t>10/1/24</a:t>
+              <a:t>10/2/24</a:t>
             </a:fld>
             <a:endParaRPr lang="en-US"/>
           </a:p>
@@ -2241,7 +2242,7 @@
           <a:p>
             <a:fld id="{5BCAD085-E8A6-8845-BD4E-CB4CCA059FC4}" type="datetimeFigureOut">
               <a:rPr lang="en-US" smtClean="0"/>
-              <a:t>10/1/24</a:t>
+              <a:t>10/2/24</a:t>
             </a:fld>
             <a:endParaRPr lang="en-US"/>
           </a:p>
@@ -2336,7 +2337,7 @@
           <a:p>
             <a:fld id="{5BCAD085-E8A6-8845-BD4E-CB4CCA059FC4}" type="datetimeFigureOut">
               <a:rPr lang="en-US" smtClean="0"/>
-              <a:t>10/1/24</a:t>
+              <a:t>10/2/24</a:t>
             </a:fld>
             <a:endParaRPr lang="en-US"/>
           </a:p>
@@ -2611,7 +2612,7 @@
           <a:p>
             <a:fld id="{5BCAD085-E8A6-8845-BD4E-CB4CCA059FC4}" type="datetimeFigureOut">
               <a:rPr lang="en-US" smtClean="0"/>
-              <a:t>10/1/24</a:t>
+              <a:t>10/2/24</a:t>
             </a:fld>
             <a:endParaRPr lang="en-US"/>
           </a:p>
@@ -2863,7 +2864,7 @@
           <a:p>
             <a:fld id="{5BCAD085-E8A6-8845-BD4E-CB4CCA059FC4}" type="datetimeFigureOut">
               <a:rPr lang="en-US" smtClean="0"/>
-              <a:t>10/1/24</a:t>
+              <a:t>10/2/24</a:t>
             </a:fld>
             <a:endParaRPr lang="en-US"/>
           </a:p>
@@ -3074,7 +3075,7 @@
           <a:p>
             <a:fld id="{5BCAD085-E8A6-8845-BD4E-CB4CCA059FC4}" type="datetimeFigureOut">
               <a:rPr lang="en-US" smtClean="0"/>
-              <a:t>10/1/24</a:t>
+              <a:t>10/2/24</a:t>
             </a:fld>
             <a:endParaRPr lang="en-US"/>
           </a:p>
@@ -3461,22 +3462,41 @@
         </p:nvSpPr>
         <p:spPr/>
         <p:txBody>
-          <a:bodyPr/>
-          <a:lstStyle/>
-          <a:p>
-            <a:r>
-              <a:rPr dirty="0" err="1"/>
+          <a:bodyPr>
+            <a:normAutofit fontScale="90000"/>
+          </a:bodyPr>
+          <a:lstStyle/>
+          <a:p>
+            <a:r>
+              <a:rPr lang="en-GB" dirty="0" err="1"/>
               <a:t>Szkolenie</a:t>
             </a:r>
             <a:r>
-              <a:rPr dirty="0"/>
+              <a:rPr lang="en-GB" dirty="0"/>
               <a:t> </a:t>
             </a:r>
-            <a:r>
-              <a:rPr dirty="0" err="1"/>
+            <a:br>
+              <a:rPr lang="en-GB" dirty="0"/>
+            </a:br>
+            <a:br>
+              <a:rPr lang="en-GB" dirty="0"/>
+            </a:br>
+            <a:r>
+              <a:rPr lang="en-GB" dirty="0" err="1"/>
+              <a:t>Instrumentacja</a:t>
+            </a:r>
+            <a:r>
+              <a:rPr lang="en-GB"/>
+              <a:t> </a:t>
+            </a:r>
+            <a:br>
+              <a:rPr lang="en-GB"/>
+            </a:br>
+            <a:r>
+              <a:rPr lang="en-GB"/>
               <a:t>OpenTelemetry</a:t>
             </a:r>
-            <a:endParaRPr dirty="0"/>
+            <a:endParaRPr lang="en-GB" dirty="0"/>
           </a:p>
         </p:txBody>
       </p:sp>
@@ -3490,7 +3510,12 @@
             <p:ph type="subTitle" idx="1"/>
           </p:nvPr>
         </p:nvSpPr>
-        <p:spPr/>
+        <p:spPr>
+          <a:xfrm>
+            <a:off x="1371600" y="4948880"/>
+            <a:ext cx="6400800" cy="1752600"/>
+          </a:xfrm>
+        </p:spPr>
         <p:txBody>
           <a:bodyPr/>
           <a:lstStyle/>
@@ -4807,6 +4832,221 @@
     <p:extLst>
       <p:ext uri="{BB962C8B-B14F-4D97-AF65-F5344CB8AC3E}">
         <p14:creationId xmlns:p14="http://schemas.microsoft.com/office/powerpoint/2010/main" val="1400844043"/>
+      </p:ext>
+    </p:extLst>
+  </p:cSld>
+  <p:clrMapOvr>
+    <a:masterClrMapping/>
+  </p:clrMapOvr>
+</p:sld>
+</file>
+
+<file path=ppt/slides/slide8.xml><?xml version="1.0" encoding="utf-8"?>
+<p:sld xmlns:a="http://schemas.openxmlformats.org/drawingml/2006/main" xmlns:r="http://schemas.openxmlformats.org/officeDocument/2006/relationships" xmlns:p="http://schemas.openxmlformats.org/presentationml/2006/main">
+  <p:cSld>
+    <p:spTree>
+      <p:nvGrpSpPr>
+        <p:cNvPr id="1" name="">
+          <a:extLst>
+            <a:ext uri="{FF2B5EF4-FFF2-40B4-BE49-F238E27FC236}">
+              <a16:creationId xmlns:a16="http://schemas.microsoft.com/office/drawing/2014/main" id="{FD07BD07-11BF-7FDA-CA66-49D6498DE5DB}"/>
+            </a:ext>
+          </a:extLst>
+        </p:cNvPr>
+        <p:cNvGrpSpPr/>
+        <p:nvPr/>
+      </p:nvGrpSpPr>
+      <p:grpSpPr>
+        <a:xfrm>
+          <a:off x="0" y="0"/>
+          <a:ext cx="0" cy="0"/>
+          <a:chOff x="0" y="0"/>
+          <a:chExt cx="0" cy="0"/>
+        </a:xfrm>
+      </p:grpSpPr>
+      <p:sp>
+        <p:nvSpPr>
+          <p:cNvPr id="3" name="Content Placeholder 2">
+            <a:extLst>
+              <a:ext uri="{FF2B5EF4-FFF2-40B4-BE49-F238E27FC236}">
+                <a16:creationId xmlns:a16="http://schemas.microsoft.com/office/drawing/2014/main" id="{58D14FDC-4572-7939-60F2-ED0FD3B32655}"/>
+              </a:ext>
+            </a:extLst>
+          </p:cNvPr>
+          <p:cNvSpPr>
+            <a:spLocks noGrp="1"/>
+          </p:cNvSpPr>
+          <p:nvPr>
+            <p:ph idx="1"/>
+          </p:nvPr>
+        </p:nvSpPr>
+        <p:spPr/>
+        <p:txBody>
+          <a:bodyPr>
+            <a:normAutofit/>
+          </a:bodyPr>
+          <a:lstStyle/>
+          <a:p>
+            <a:pPr indent="-285750"/>
+            <a:r>
+              <a:rPr lang="pl-PL" sz="1600" dirty="0" err="1"/>
+              <a:t>Narzedzia</a:t>
+            </a:r>
+            <a:r>
+              <a:rPr lang="pl-PL" sz="1600" dirty="0"/>
+              <a:t>:</a:t>
+            </a:r>
+          </a:p>
+          <a:p>
+            <a:pPr indent="-285750"/>
+            <a:r>
+              <a:rPr lang="pl-PL" sz="1600" dirty="0" err="1"/>
+              <a:t>Jaeger</a:t>
+            </a:r>
+            <a:r>
+              <a:rPr lang="pl-PL" sz="1600" dirty="0"/>
+              <a:t> </a:t>
+            </a:r>
+            <a:r>
+              <a:rPr lang="pl-PL" sz="1600" dirty="0">
+                <a:hlinkClick r:id="rId2"/>
+              </a:rPr>
+              <a:t>https://www.jaegertracing.io</a:t>
+            </a:r>
+            <a:r>
+              <a:rPr lang="pl-PL" sz="1600" dirty="0"/>
+              <a:t> </a:t>
+            </a:r>
+          </a:p>
+          <a:p>
+            <a:pPr indent="-285750"/>
+            <a:r>
+              <a:rPr lang="pl-PL" sz="1600" dirty="0" err="1"/>
+              <a:t>Prometheus</a:t>
+            </a:r>
+            <a:r>
+              <a:rPr lang="pl-PL" sz="1600" dirty="0"/>
+              <a:t>: </a:t>
+            </a:r>
+            <a:r>
+              <a:rPr lang="pl-PL" sz="1600" dirty="0">
+                <a:hlinkClick r:id="rId3"/>
+              </a:rPr>
+              <a:t>https://prometheus.io</a:t>
+            </a:r>
+            <a:r>
+              <a:rPr lang="pl-PL" sz="1600" dirty="0"/>
+              <a:t> </a:t>
+            </a:r>
+          </a:p>
+          <a:p>
+            <a:pPr indent="-285750"/>
+            <a:r>
+              <a:rPr lang="pl-PL" sz="1600" dirty="0" err="1"/>
+              <a:t>Grafana</a:t>
+            </a:r>
+            <a:r>
+              <a:rPr lang="pl-PL" sz="1600" dirty="0"/>
+              <a:t> </a:t>
+            </a:r>
+            <a:r>
+              <a:rPr lang="pl-PL" sz="1600" dirty="0">
+                <a:hlinkClick r:id="rId4"/>
+              </a:rPr>
+              <a:t>https://grafana.com</a:t>
+            </a:r>
+            <a:endParaRPr lang="pl-PL" sz="1600" dirty="0"/>
+          </a:p>
+          <a:p>
+            <a:pPr indent="-285750"/>
+            <a:endParaRPr lang="pl-PL" sz="1200" dirty="0"/>
+          </a:p>
+        </p:txBody>
+      </p:sp>
+      <p:sp>
+        <p:nvSpPr>
+          <p:cNvPr id="7" name="Title 1">
+            <a:extLst>
+              <a:ext uri="{FF2B5EF4-FFF2-40B4-BE49-F238E27FC236}">
+                <a16:creationId xmlns:a16="http://schemas.microsoft.com/office/drawing/2014/main" id="{045CC521-BA9F-2F6A-DACD-DC7B0F8EDFFA}"/>
+              </a:ext>
+            </a:extLst>
+          </p:cNvPr>
+          <p:cNvSpPr>
+            <a:spLocks noGrp="1"/>
+          </p:cNvSpPr>
+          <p:nvPr>
+            <p:ph type="title"/>
+          </p:nvPr>
+        </p:nvSpPr>
+        <p:spPr>
+          <a:xfrm>
+            <a:off x="457200" y="274638"/>
+            <a:ext cx="8229600" cy="1143000"/>
+          </a:xfrm>
+          <a:noFill/>
+        </p:spPr>
+        <p:txBody>
+          <a:bodyPr>
+            <a:noAutofit/>
+          </a:bodyPr>
+          <a:lstStyle/>
+          <a:p>
+            <a:pPr algn="l"/>
+            <a:r>
+              <a:rPr lang="pl-PL" sz="2000" dirty="0"/>
+              <a:t>Dzień 1: Wizualizacja, Tematy Zaawansowane i Praktyczne Ćwiczenia</a:t>
+            </a:r>
+            <a:br>
+              <a:rPr lang="pl-PL" sz="2000" dirty="0"/>
+            </a:br>
+            <a:br>
+              <a:rPr lang="pl-PL" sz="2000" dirty="0"/>
+            </a:br>
+            <a:r>
+              <a:rPr lang="pl-PL" sz="1800" dirty="0"/>
+              <a:t>Sesja 1: </a:t>
+            </a:r>
+            <a:r>
+              <a:rPr lang="en-GB" sz="1800" dirty="0" err="1"/>
+              <a:t>Wprowadzenie</a:t>
+            </a:r>
+            <a:r>
+              <a:rPr lang="en-GB" sz="1800" dirty="0"/>
+              <a:t>, </a:t>
+            </a:r>
+            <a:r>
+              <a:rPr lang="en-GB" sz="1800" dirty="0" err="1"/>
+              <a:t>Konfiguracja</a:t>
+            </a:r>
+            <a:r>
+              <a:rPr lang="en-GB" sz="1800" dirty="0"/>
+              <a:t> </a:t>
+            </a:r>
+            <a:r>
+              <a:rPr lang="en-GB" sz="1800" dirty="0" err="1"/>
+              <a:t>i</a:t>
+            </a:r>
+            <a:r>
+              <a:rPr lang="en-GB" sz="1800" dirty="0"/>
+              <a:t> </a:t>
+            </a:r>
+            <a:r>
+              <a:rPr lang="en-GB" sz="1800" dirty="0" err="1"/>
+              <a:t>Instrumentacja</a:t>
+            </a:r>
+            <a:r>
+              <a:rPr lang="en-GB" sz="1800" dirty="0"/>
+              <a:t>: </a:t>
+            </a:r>
+            <a:endParaRPr lang="pl-PL" sz="2000" dirty="0"/>
+          </a:p>
+        </p:txBody>
+      </p:sp>
+    </p:spTree>
+    <p:extLst>
+      <p:ext uri="{BB962C8B-B14F-4D97-AF65-F5344CB8AC3E}">
+        <p14:creationId xmlns:p14="http://schemas.microsoft.com/office/powerpoint/2010/main" val="563587895"/>
       </p:ext>
     </p:extLst>
   </p:cSld>
